--- a/SERVICIO COMUNITARIO/info.pptx
+++ b/SERVICIO COMUNITARIO/info.pptx
@@ -10,7 +10,7 @@
     <p:sldId id="258" r:id="rId4"/>
   </p:sldIdLst>
   <p:sldSz cx="6858000" cy="9144000" type="letter"/>
-  <p:notesSz cx="6858000" cy="9144000"/>
+  <p:notesSz cx="7102475" cy="9388475"/>
   <p:defaultTextStyle>
     <a:defPPr>
       <a:defRPr lang="en-US"/>
@@ -106,6 +106,11 @@
       </a:defRPr>
     </a:lvl9pPr>
   </p:defaultTextStyle>
+  <p:extLst>
+    <p:ext uri="{EFAFB233-063F-42B5-8137-9DF3F51BA10A}">
+      <p15:sldGuideLst xmlns:p15="http://schemas.microsoft.com/office/powerpoint/2012/main"/>
+    </p:ext>
+  </p:extLst>
 </p:presentation>
 </file>
 
@@ -2415,9 +2420,12 @@
 <p:sldMaster xmlns:a="http://schemas.openxmlformats.org/drawingml/2006/main" xmlns:r="http://schemas.openxmlformats.org/officeDocument/2006/relationships" xmlns:p="http://schemas.openxmlformats.org/presentationml/2006/main">
   <p:cSld>
     <p:bg>
-      <p:bgRef idx="1001">
-        <a:schemeClr val="bg1"/>
-      </p:bgRef>
+      <p:bgPr>
+        <a:solidFill>
+          <a:schemeClr val="accent1"/>
+        </a:solidFill>
+        <a:effectLst/>
+      </p:bgPr>
     </p:bg>
     <p:spTree>
       <p:nvGrpSpPr>
@@ -2954,34 +2962,6 @@
 <file path=ppt/slides/slide1.xml><?xml version="1.0" encoding="utf-8"?>
 <p:sld xmlns:a="http://schemas.openxmlformats.org/drawingml/2006/main" xmlns:r="http://schemas.openxmlformats.org/officeDocument/2006/relationships" xmlns:p="http://schemas.openxmlformats.org/presentationml/2006/main">
   <p:cSld>
-    <p:bg>
-      <p:bgPr>
-        <a:gradFill flip="none" rotWithShape="1">
-          <a:gsLst>
-            <a:gs pos="0">
-              <a:schemeClr val="accent1">
-                <a:lumMod val="67000"/>
-              </a:schemeClr>
-            </a:gs>
-            <a:gs pos="48000">
-              <a:schemeClr val="accent1">
-                <a:lumMod val="97000"/>
-                <a:lumOff val="3000"/>
-              </a:schemeClr>
-            </a:gs>
-            <a:gs pos="100000">
-              <a:schemeClr val="accent1">
-                <a:lumMod val="60000"/>
-                <a:lumOff val="40000"/>
-              </a:schemeClr>
-            </a:gs>
-          </a:gsLst>
-          <a:lin ang="16200000" scaled="1"/>
-          <a:tileRect/>
-        </a:gradFill>
-        <a:effectLst/>
-      </p:bgPr>
-    </p:bg>
     <p:spTree>
       <p:nvGrpSpPr>
         <p:cNvPr id="1" name=""/>
@@ -3130,34 +3110,6 @@
 <file path=ppt/slides/slide2.xml><?xml version="1.0" encoding="utf-8"?>
 <p:sld xmlns:a="http://schemas.openxmlformats.org/drawingml/2006/main" xmlns:r="http://schemas.openxmlformats.org/officeDocument/2006/relationships" xmlns:p="http://schemas.openxmlformats.org/presentationml/2006/main">
   <p:cSld>
-    <p:bg>
-      <p:bgPr>
-        <a:gradFill flip="none" rotWithShape="1">
-          <a:gsLst>
-            <a:gs pos="0">
-              <a:schemeClr val="accent1">
-                <a:lumMod val="67000"/>
-              </a:schemeClr>
-            </a:gs>
-            <a:gs pos="48000">
-              <a:schemeClr val="accent1">
-                <a:lumMod val="97000"/>
-                <a:lumOff val="3000"/>
-              </a:schemeClr>
-            </a:gs>
-            <a:gs pos="100000">
-              <a:schemeClr val="accent1">
-                <a:lumMod val="60000"/>
-                <a:lumOff val="40000"/>
-              </a:schemeClr>
-            </a:gs>
-          </a:gsLst>
-          <a:lin ang="16200000" scaled="1"/>
-          <a:tileRect/>
-        </a:gradFill>
-        <a:effectLst/>
-      </p:bgPr>
-    </p:bg>
     <p:spTree>
       <p:nvGrpSpPr>
         <p:cNvPr id="1" name="">
@@ -5316,34 +5268,6 @@
 <file path=ppt/slides/slide3.xml><?xml version="1.0" encoding="utf-8"?>
 <p:sld xmlns:a="http://schemas.openxmlformats.org/drawingml/2006/main" xmlns:r="http://schemas.openxmlformats.org/officeDocument/2006/relationships" xmlns:p="http://schemas.openxmlformats.org/presentationml/2006/main">
   <p:cSld>
-    <p:bg>
-      <p:bgPr>
-        <a:gradFill flip="none" rotWithShape="1">
-          <a:gsLst>
-            <a:gs pos="0">
-              <a:schemeClr val="accent1">
-                <a:lumMod val="67000"/>
-              </a:schemeClr>
-            </a:gs>
-            <a:gs pos="48000">
-              <a:schemeClr val="accent1">
-                <a:lumMod val="97000"/>
-                <a:lumOff val="3000"/>
-              </a:schemeClr>
-            </a:gs>
-            <a:gs pos="100000">
-              <a:schemeClr val="accent1">
-                <a:lumMod val="60000"/>
-                <a:lumOff val="40000"/>
-              </a:schemeClr>
-            </a:gs>
-          </a:gsLst>
-          <a:lin ang="16200000" scaled="1"/>
-          <a:tileRect/>
-        </a:gradFill>
-        <a:effectLst/>
-      </p:bgPr>
-    </p:bg>
     <p:spTree>
       <p:nvGrpSpPr>
         <p:cNvPr id="1" name="">
